--- a/materials/QiskitFallFest23.pptx
+++ b/materials/QiskitFallFest23.pptx
@@ -336,7 +336,7 @@
               <a:pPr>
                 <a:defRPr/>
               </a:pPr>
-              <a:t>10/9/2023</a:t>
+              <a:t>10/12/2023</a:t>
             </a:fld>
             <a:endParaRPr lang="en-US"/>
           </a:p>
@@ -533,7 +533,7 @@
               <a:pPr>
                 <a:defRPr/>
               </a:pPr>
-              <a:t>10/9/2023</a:t>
+              <a:t>10/12/2023</a:t>
             </a:fld>
             <a:endParaRPr lang="en-US"/>
           </a:p>
@@ -740,7 +740,7 @@
               <a:pPr>
                 <a:defRPr/>
               </a:pPr>
-              <a:t>10/9/2023</a:t>
+              <a:t>10/12/2023</a:t>
             </a:fld>
             <a:endParaRPr lang="en-US"/>
           </a:p>
@@ -937,7 +937,7 @@
               <a:pPr>
                 <a:defRPr/>
               </a:pPr>
-              <a:t>10/9/2023</a:t>
+              <a:t>10/12/2023</a:t>
             </a:fld>
             <a:endParaRPr lang="en-US"/>
           </a:p>
@@ -1210,7 +1210,7 @@
               <a:pPr>
                 <a:defRPr/>
               </a:pPr>
-              <a:t>10/9/2023</a:t>
+              <a:t>10/12/2023</a:t>
             </a:fld>
             <a:endParaRPr lang="en-US"/>
           </a:p>
@@ -1525,7 +1525,7 @@
               <a:pPr>
                 <a:defRPr/>
               </a:pPr>
-              <a:t>10/9/2023</a:t>
+              <a:t>10/12/2023</a:t>
             </a:fld>
             <a:endParaRPr lang="en-US"/>
           </a:p>
@@ -1849,7 +1849,7 @@
               <a:pPr>
                 <a:defRPr/>
               </a:pPr>
-              <a:t>10/9/2023</a:t>
+              <a:t>10/12/2023</a:t>
             </a:fld>
             <a:endParaRPr lang="en-US"/>
           </a:p>
@@ -1994,7 +1994,7 @@
               <a:pPr>
                 <a:defRPr/>
               </a:pPr>
-              <a:t>10/9/2023</a:t>
+              <a:t>10/12/2023</a:t>
             </a:fld>
             <a:endParaRPr lang="en-US"/>
           </a:p>
@@ -2116,7 +2116,7 @@
               <a:pPr>
                 <a:defRPr/>
               </a:pPr>
-              <a:t>10/9/2023</a:t>
+              <a:t>10/12/2023</a:t>
             </a:fld>
             <a:endParaRPr lang="en-US"/>
           </a:p>
@@ -2420,7 +2420,7 @@
               <a:pPr>
                 <a:defRPr/>
               </a:pPr>
-              <a:t>10/9/2023</a:t>
+              <a:t>10/12/2023</a:t>
             </a:fld>
             <a:endParaRPr lang="en-US"/>
           </a:p>
@@ -2707,7 +2707,7 @@
               <a:pPr>
                 <a:defRPr/>
               </a:pPr>
-              <a:t>10/9/2023</a:t>
+              <a:t>10/12/2023</a:t>
             </a:fld>
             <a:endParaRPr lang="en-US"/>
           </a:p>
@@ -2848,7 +2848,7 @@
               </a14:hiddenLine>
             </a:ext>
             <a:ext uri="{FAA26D3D-D897-4be2-8F04-BA451C77F1D7}">
-              <ma14:placeholderFlag xmlns:ma14="http://schemas.microsoft.com/office/mac/drawingml/2011/main" xmlns="" val="1"/>
+              <ma14:placeholderFlag xmlns="" xmlns:ma14="http://schemas.microsoft.com/office/mac/drawingml/2011/main" val="1"/>
             </a:ext>
           </a:extLst>
         </p:spPr>
@@ -2916,7 +2916,7 @@
               </a14:hiddenLine>
             </a:ext>
             <a:ext uri="{FAA26D3D-D897-4be2-8F04-BA451C77F1D7}">
-              <ma14:placeholderFlag xmlns:ma14="http://schemas.microsoft.com/office/mac/drawingml/2011/main" xmlns="" val="1"/>
+              <ma14:placeholderFlag xmlns="" xmlns:ma14="http://schemas.microsoft.com/office/mac/drawingml/2011/main" val="1"/>
             </a:ext>
           </a:extLst>
         </p:spPr>
@@ -3015,7 +3015,7 @@
               <a:pPr>
                 <a:defRPr/>
               </a:pPr>
-              <a:t>10/9/2023</a:t>
+              <a:t>10/12/2023</a:t>
             </a:fld>
             <a:endParaRPr lang="en-US" dirty="0"/>
           </a:p>
@@ -3641,7 +3641,13 @@
               <a:rPr lang="en-US" dirty="0" smtClean="0">
                 <a:ea typeface="+mn-ea"/>
               </a:rPr>
-              <a:t>Halloween Oct 28</a:t>
+              <a:t>Halloween Edition </a:t>
+            </a:r>
+            <a:r>
+              <a:rPr lang="en-US" dirty="0" smtClean="0">
+                <a:ea typeface="+mn-ea"/>
+              </a:rPr>
+              <a:t>Oct 28</a:t>
             </a:r>
             <a:r>
               <a:rPr lang="en-US" baseline="30000" dirty="0" smtClean="0">
@@ -4338,7 +4344,17 @@
               <a:rPr lang="en-US" sz="2000" dirty="0">
                 <a:sym typeface="Wingdings" panose="05000000000000000000" pitchFamily="2" charset="2"/>
               </a:rPr>
-              <a:t>: Quantum computational algorithms for derivative pricing and credit risk in a regime switching economy.</a:t>
+              <a:t>: </a:t>
+            </a:r>
+            <a:r>
+              <a:rPr lang="en-US" sz="2000" dirty="0"/>
+              <a:t>Quantum Algorithms for Financial Models in a Regime Switching Economy</a:t>
+            </a:r>
+            <a:r>
+              <a:rPr lang="en-US" sz="2000" dirty="0" smtClean="0">
+                <a:sym typeface="Wingdings" panose="05000000000000000000" pitchFamily="2" charset="2"/>
+              </a:rPr>
+              <a:t>.</a:t>
             </a:r>
             <a:endParaRPr lang="en-US" sz="2000" dirty="0" smtClean="0">
               <a:sym typeface="Wingdings" panose="05000000000000000000" pitchFamily="2" charset="2"/>
@@ -5293,7 +5309,12 @@
             <p:ph type="title"/>
           </p:nvPr>
         </p:nvSpPr>
-        <p:spPr/>
+        <p:spPr>
+          <a:xfrm>
+            <a:off x="457200" y="540331"/>
+            <a:ext cx="8229600" cy="801290"/>
+          </a:xfrm>
+        </p:spPr>
         <p:txBody>
           <a:bodyPr/>
           <a:lstStyle/>
@@ -5318,8 +5339,8 @@
         </p:nvSpPr>
         <p:spPr>
           <a:xfrm>
-            <a:off x="457200" y="1703672"/>
-            <a:ext cx="8229600" cy="2890950"/>
+            <a:off x="457200" y="1341621"/>
+            <a:ext cx="8229600" cy="3253001"/>
           </a:xfrm>
         </p:spPr>
         <p:txBody>
@@ -5492,8 +5513,39 @@
             </a:r>
             <a:r>
               <a:rPr lang="en-US" sz="2000" dirty="0"/>
-              <a:t>Yoder received his PhD in physics from MIT in 2018 with a thesis about new constructions in quantum error-correction. He joined the theory team at IBM Quantum shortly thereafter. His research spans quantum algorithms and error-correction with a focus on practical implementations on today’s hardware.</a:t>
-            </a:r>
+              <a:t>Yoder received his PhD in physics from MIT in 2018 with a thesis about new constructions in quantum error-correction. He joined the theory team at IBM Quantum shortly thereafter. His research spans quantum algorithms and error-correction with a focus on practical implementations on today’s hardware</a:t>
+            </a:r>
+            <a:r>
+              <a:rPr lang="en-US" sz="2000" dirty="0" smtClean="0"/>
+              <a:t>.</a:t>
+            </a:r>
+          </a:p>
+          <a:p>
+            <a:r>
+              <a:rPr lang="en-US" sz="2000" dirty="0" smtClean="0"/>
+              <a:t>Dr. Jack Morgan is </a:t>
+            </a:r>
+            <a:r>
+              <a:rPr lang="en-US" sz="2000" dirty="0"/>
+              <a:t>Research Assistant at the Kenan Institute of Private Enterprise. He works in Dr. Eric </a:t>
+            </a:r>
+            <a:r>
+              <a:rPr lang="en-US" sz="2000" dirty="0" err="1"/>
+              <a:t>Ghysels's</a:t>
+            </a:r>
+            <a:r>
+              <a:rPr lang="en-US" sz="2000" dirty="0"/>
+              <a:t> Financial Technology (</a:t>
+            </a:r>
+            <a:r>
+              <a:rPr lang="en-US" sz="2000" dirty="0" err="1"/>
+              <a:t>Fintech</a:t>
+            </a:r>
+            <a:r>
+              <a:rPr lang="en-US" sz="2000" dirty="0"/>
+              <a:t>) lab writing and testing quantum algorithms for quantitative finance. He received his B.S. in physics from Haverford College where he conducted early universe cosmology research. Jack is interested in quantum programs with practical financial and logistics applications in the NISQ era.</a:t>
+            </a:r>
+            <a:endParaRPr lang="en-US" sz="2000" dirty="0"/>
           </a:p>
         </p:txBody>
       </p:sp>
@@ -5627,7 +5679,6 @@
               <a:rPr lang="en-US" dirty="0"/>
               <a:t>://airtable.com/applCQ71D4Jkgn2Xy/shr9iIzRYbe4ACZwP/tblveoSQ6mdHYLa3Y</a:t>
             </a:r>
-            <a:endParaRPr lang="en-US" dirty="0"/>
           </a:p>
         </p:txBody>
       </p:sp>

--- a/materials/QiskitFallFest23.pptx
+++ b/materials/QiskitFallFest23.pptx
@@ -336,7 +336,7 @@
               <a:pPr>
                 <a:defRPr/>
               </a:pPr>
-              <a:t>10/12/2023</a:t>
+              <a:t>10/23/2023</a:t>
             </a:fld>
             <a:endParaRPr lang="en-US"/>
           </a:p>
@@ -533,7 +533,7 @@
               <a:pPr>
                 <a:defRPr/>
               </a:pPr>
-              <a:t>10/12/2023</a:t>
+              <a:t>10/23/2023</a:t>
             </a:fld>
             <a:endParaRPr lang="en-US"/>
           </a:p>
@@ -740,7 +740,7 @@
               <a:pPr>
                 <a:defRPr/>
               </a:pPr>
-              <a:t>10/12/2023</a:t>
+              <a:t>10/23/2023</a:t>
             </a:fld>
             <a:endParaRPr lang="en-US"/>
           </a:p>
@@ -937,7 +937,7 @@
               <a:pPr>
                 <a:defRPr/>
               </a:pPr>
-              <a:t>10/12/2023</a:t>
+              <a:t>10/23/2023</a:t>
             </a:fld>
             <a:endParaRPr lang="en-US"/>
           </a:p>
@@ -1210,7 +1210,7 @@
               <a:pPr>
                 <a:defRPr/>
               </a:pPr>
-              <a:t>10/12/2023</a:t>
+              <a:t>10/23/2023</a:t>
             </a:fld>
             <a:endParaRPr lang="en-US"/>
           </a:p>
@@ -1525,7 +1525,7 @@
               <a:pPr>
                 <a:defRPr/>
               </a:pPr>
-              <a:t>10/12/2023</a:t>
+              <a:t>10/23/2023</a:t>
             </a:fld>
             <a:endParaRPr lang="en-US"/>
           </a:p>
@@ -1849,7 +1849,7 @@
               <a:pPr>
                 <a:defRPr/>
               </a:pPr>
-              <a:t>10/12/2023</a:t>
+              <a:t>10/23/2023</a:t>
             </a:fld>
             <a:endParaRPr lang="en-US"/>
           </a:p>
@@ -1994,7 +1994,7 @@
               <a:pPr>
                 <a:defRPr/>
               </a:pPr>
-              <a:t>10/12/2023</a:t>
+              <a:t>10/23/2023</a:t>
             </a:fld>
             <a:endParaRPr lang="en-US"/>
           </a:p>
@@ -2116,7 +2116,7 @@
               <a:pPr>
                 <a:defRPr/>
               </a:pPr>
-              <a:t>10/12/2023</a:t>
+              <a:t>10/23/2023</a:t>
             </a:fld>
             <a:endParaRPr lang="en-US"/>
           </a:p>
@@ -2420,7 +2420,7 @@
               <a:pPr>
                 <a:defRPr/>
               </a:pPr>
-              <a:t>10/12/2023</a:t>
+              <a:t>10/23/2023</a:t>
             </a:fld>
             <a:endParaRPr lang="en-US"/>
           </a:p>
@@ -2707,7 +2707,7 @@
               <a:pPr>
                 <a:defRPr/>
               </a:pPr>
-              <a:t>10/12/2023</a:t>
+              <a:t>10/23/2023</a:t>
             </a:fld>
             <a:endParaRPr lang="en-US"/>
           </a:p>
@@ -2848,7 +2848,7 @@
               </a14:hiddenLine>
             </a:ext>
             <a:ext uri="{FAA26D3D-D897-4be2-8F04-BA451C77F1D7}">
-              <ma14:placeholderFlag xmlns="" xmlns:ma14="http://schemas.microsoft.com/office/mac/drawingml/2011/main" val="1"/>
+              <ma14:placeholderFlag xmlns:ma14="http://schemas.microsoft.com/office/mac/drawingml/2011/main" xmlns="" val="1"/>
             </a:ext>
           </a:extLst>
         </p:spPr>
@@ -2916,7 +2916,7 @@
               </a14:hiddenLine>
             </a:ext>
             <a:ext uri="{FAA26D3D-D897-4be2-8F04-BA451C77F1D7}">
-              <ma14:placeholderFlag xmlns="" xmlns:ma14="http://schemas.microsoft.com/office/mac/drawingml/2011/main" val="1"/>
+              <ma14:placeholderFlag xmlns:ma14="http://schemas.microsoft.com/office/mac/drawingml/2011/main" xmlns="" val="1"/>
             </a:ext>
           </a:extLst>
         </p:spPr>
@@ -3015,7 +3015,7 @@
               <a:pPr>
                 <a:defRPr/>
               </a:pPr>
-              <a:t>10/12/2023</a:t>
+              <a:t>10/23/2023</a:t>
             </a:fld>
             <a:endParaRPr lang="en-US" dirty="0"/>
           </a:p>
@@ -3641,13 +3641,7 @@
               <a:rPr lang="en-US" dirty="0" smtClean="0">
                 <a:ea typeface="+mn-ea"/>
               </a:rPr>
-              <a:t>Halloween Edition </a:t>
-            </a:r>
-            <a:r>
-              <a:rPr lang="en-US" dirty="0" smtClean="0">
-                <a:ea typeface="+mn-ea"/>
-              </a:rPr>
-              <a:t>Oct 28</a:t>
+              <a:t>Halloween Edition Oct 28</a:t>
             </a:r>
             <a:r>
               <a:rPr lang="en-US" baseline="30000" dirty="0" smtClean="0">
@@ -4356,9 +4350,6 @@
               </a:rPr>
               <a:t>.</a:t>
             </a:r>
-            <a:endParaRPr lang="en-US" sz="2000" dirty="0" smtClean="0">
-              <a:sym typeface="Wingdings" panose="05000000000000000000" pitchFamily="2" charset="2"/>
-            </a:endParaRPr>
           </a:p>
           <a:p>
             <a:endParaRPr lang="en-US" dirty="0"/>
@@ -4645,12 +4636,12 @@
           </a:p>
           <a:p>
             <a:r>
-              <a:rPr lang="en-US" sz="2000" dirty="0" err="1" smtClean="0"/>
-              <a:t>Dr</a:t>
-            </a:r>
-            <a:r>
               <a:rPr lang="en-US" sz="2000" dirty="0" smtClean="0"/>
-              <a:t> Jack Morgan : UNC-CH </a:t>
+              <a:t>Jack </a:t>
+            </a:r>
+            <a:r>
+              <a:rPr lang="en-US" sz="2000" dirty="0" smtClean="0"/>
+              <a:t>Morgan : UNC-CH </a:t>
             </a:r>
             <a:r>
               <a:rPr lang="en-US" sz="2000" dirty="0">
@@ -5522,8 +5513,12 @@
           </a:p>
           <a:p>
             <a:r>
+              <a:rPr lang="en-US" sz="2000" smtClean="0"/>
+              <a:t>Jack </a:t>
+            </a:r>
+            <a:r>
               <a:rPr lang="en-US" sz="2000" dirty="0" smtClean="0"/>
-              <a:t>Dr. Jack Morgan is </a:t>
+              <a:t>Morgan is </a:t>
             </a:r>
             <a:r>
               <a:rPr lang="en-US" sz="2000" dirty="0"/>
@@ -5545,7 +5540,6 @@
               <a:rPr lang="en-US" sz="2000" dirty="0"/>
               <a:t>) lab writing and testing quantum algorithms for quantitative finance. He received his B.S. in physics from Haverford College where he conducted early universe cosmology research. Jack is interested in quantum programs with practical financial and logistics applications in the NISQ era.</a:t>
             </a:r>
-            <a:endParaRPr lang="en-US" sz="2000" dirty="0"/>
           </a:p>
         </p:txBody>
       </p:sp>

--- a/materials/QiskitFallFest23.pptx
+++ b/materials/QiskitFallFest23.pptx
@@ -336,7 +336,7 @@
               <a:pPr>
                 <a:defRPr/>
               </a:pPr>
-              <a:t>10/23/2023</a:t>
+              <a:t>10/26/2023</a:t>
             </a:fld>
             <a:endParaRPr lang="en-US"/>
           </a:p>
@@ -533,7 +533,7 @@
               <a:pPr>
                 <a:defRPr/>
               </a:pPr>
-              <a:t>10/23/2023</a:t>
+              <a:t>10/26/2023</a:t>
             </a:fld>
             <a:endParaRPr lang="en-US"/>
           </a:p>
@@ -740,7 +740,7 @@
               <a:pPr>
                 <a:defRPr/>
               </a:pPr>
-              <a:t>10/23/2023</a:t>
+              <a:t>10/26/2023</a:t>
             </a:fld>
             <a:endParaRPr lang="en-US"/>
           </a:p>
@@ -937,7 +937,7 @@
               <a:pPr>
                 <a:defRPr/>
               </a:pPr>
-              <a:t>10/23/2023</a:t>
+              <a:t>10/26/2023</a:t>
             </a:fld>
             <a:endParaRPr lang="en-US"/>
           </a:p>
@@ -1210,7 +1210,7 @@
               <a:pPr>
                 <a:defRPr/>
               </a:pPr>
-              <a:t>10/23/2023</a:t>
+              <a:t>10/26/2023</a:t>
             </a:fld>
             <a:endParaRPr lang="en-US"/>
           </a:p>
@@ -1525,7 +1525,7 @@
               <a:pPr>
                 <a:defRPr/>
               </a:pPr>
-              <a:t>10/23/2023</a:t>
+              <a:t>10/26/2023</a:t>
             </a:fld>
             <a:endParaRPr lang="en-US"/>
           </a:p>
@@ -1849,7 +1849,7 @@
               <a:pPr>
                 <a:defRPr/>
               </a:pPr>
-              <a:t>10/23/2023</a:t>
+              <a:t>10/26/2023</a:t>
             </a:fld>
             <a:endParaRPr lang="en-US"/>
           </a:p>
@@ -1994,7 +1994,7 @@
               <a:pPr>
                 <a:defRPr/>
               </a:pPr>
-              <a:t>10/23/2023</a:t>
+              <a:t>10/26/2023</a:t>
             </a:fld>
             <a:endParaRPr lang="en-US"/>
           </a:p>
@@ -2116,7 +2116,7 @@
               <a:pPr>
                 <a:defRPr/>
               </a:pPr>
-              <a:t>10/23/2023</a:t>
+              <a:t>10/26/2023</a:t>
             </a:fld>
             <a:endParaRPr lang="en-US"/>
           </a:p>
@@ -2420,7 +2420,7 @@
               <a:pPr>
                 <a:defRPr/>
               </a:pPr>
-              <a:t>10/23/2023</a:t>
+              <a:t>10/26/2023</a:t>
             </a:fld>
             <a:endParaRPr lang="en-US"/>
           </a:p>
@@ -2707,7 +2707,7 @@
               <a:pPr>
                 <a:defRPr/>
               </a:pPr>
-              <a:t>10/23/2023</a:t>
+              <a:t>10/26/2023</a:t>
             </a:fld>
             <a:endParaRPr lang="en-US"/>
           </a:p>
@@ -2848,7 +2848,7 @@
               </a14:hiddenLine>
             </a:ext>
             <a:ext uri="{FAA26D3D-D897-4be2-8F04-BA451C77F1D7}">
-              <ma14:placeholderFlag xmlns:ma14="http://schemas.microsoft.com/office/mac/drawingml/2011/main" xmlns="" val="1"/>
+              <ma14:placeholderFlag xmlns="" xmlns:ma14="http://schemas.microsoft.com/office/mac/drawingml/2011/main" val="1"/>
             </a:ext>
           </a:extLst>
         </p:spPr>
@@ -2916,7 +2916,7 @@
               </a14:hiddenLine>
             </a:ext>
             <a:ext uri="{FAA26D3D-D897-4be2-8F04-BA451C77F1D7}">
-              <ma14:placeholderFlag xmlns:ma14="http://schemas.microsoft.com/office/mac/drawingml/2011/main" xmlns="" val="1"/>
+              <ma14:placeholderFlag xmlns="" xmlns:ma14="http://schemas.microsoft.com/office/mac/drawingml/2011/main" val="1"/>
             </a:ext>
           </a:extLst>
         </p:spPr>
@@ -3015,7 +3015,7 @@
               <a:pPr>
                 <a:defRPr/>
               </a:pPr>
-              <a:t>10/23/2023</a:t>
+              <a:t>10/26/2023</a:t>
             </a:fld>
             <a:endParaRPr lang="en-US" dirty="0"/>
           </a:p>
@@ -4264,19 +4264,25 @@
               <a:rPr lang="en-US" sz="2000" dirty="0" smtClean="0">
                 <a:sym typeface="Wingdings" panose="05000000000000000000" pitchFamily="2" charset="2"/>
               </a:rPr>
-              <a:t>10:00 AM </a:t>
+              <a:t>10:00 </a:t>
+            </a:r>
+            <a:r>
+              <a:rPr lang="en-US" sz="2000" dirty="0">
+                <a:sym typeface="Wingdings" panose="05000000000000000000" pitchFamily="2" charset="2"/>
+              </a:rPr>
+              <a:t>AM Dr. Nick Bronn: </a:t>
             </a:r>
             <a:r>
               <a:rPr lang="en-US" sz="2000" dirty="0"/>
-              <a:t>Dr. Ted Yoder (IBM Research): Simulating quantum error-correction and new </a:t>
+              <a:t>Outlook for Quantum Computing with Superconducting </a:t>
             </a:r>
             <a:r>
               <a:rPr lang="en-US" sz="2000" dirty="0" err="1"/>
-              <a:t>qLDPC</a:t>
-            </a:r>
-            <a:r>
-              <a:rPr lang="en-US" sz="2000" dirty="0"/>
-              <a:t> codes.</a:t>
+              <a:t>Qubits</a:t>
+            </a:r>
+            <a:r>
+              <a:rPr lang="en-US" sz="2000"/>
+              <a:t>.</a:t>
             </a:r>
             <a:endParaRPr lang="en-US" sz="2000" dirty="0" smtClean="0">
               <a:sym typeface="Wingdings" panose="05000000000000000000" pitchFamily="2" charset="2"/>
@@ -4306,22 +4312,16 @@
               <a:t>01:00 PM </a:t>
             </a:r>
             <a:r>
-              <a:rPr lang="en-US" sz="2000" dirty="0">
-                <a:sym typeface="Wingdings" panose="05000000000000000000" pitchFamily="2" charset="2"/>
-              </a:rPr>
-              <a:t>Dr. Nick Bronn: </a:t>
-            </a:r>
-            <a:r>
               <a:rPr lang="en-US" sz="2000" dirty="0"/>
-              <a:t>Outlook for Quantum Computing with Superconducting </a:t>
+              <a:t>Dr. Ted Yoder (IBM Research): Simulating quantum error-correction and new </a:t>
             </a:r>
             <a:r>
               <a:rPr lang="en-US" sz="2000" dirty="0" err="1"/>
-              <a:t>Qubits</a:t>
+              <a:t>qLDPC</a:t>
             </a:r>
             <a:r>
               <a:rPr lang="en-US" sz="2000" dirty="0"/>
-              <a:t>.</a:t>
+              <a:t> codes. </a:t>
             </a:r>
             <a:endParaRPr lang="en-US" sz="2000" dirty="0">
               <a:sym typeface="Wingdings" panose="05000000000000000000" pitchFamily="2" charset="2"/>
@@ -4637,11 +4637,7 @@
           <a:p>
             <a:r>
               <a:rPr lang="en-US" sz="2000" dirty="0" smtClean="0"/>
-              <a:t>Jack </a:t>
-            </a:r>
-            <a:r>
-              <a:rPr lang="en-US" sz="2000" dirty="0" smtClean="0"/>
-              <a:t>Morgan : UNC-CH </a:t>
+              <a:t>Jack Morgan : UNC-CH </a:t>
             </a:r>
             <a:r>
               <a:rPr lang="en-US" sz="2000" dirty="0">
